--- a/Reference Based Compressed Sensing in MRI.pptx
+++ b/Reference Based Compressed Sensing in MRI.pptx
@@ -3861,16 +3861,31 @@
             <p:ph type="subTitle" idx="1"/>
           </p:nvPr>
         </p:nvSpPr>
-        <p:spPr/>
+        <p:spPr>
+          <a:xfrm>
+            <a:off x="1100051" y="4455619"/>
+            <a:ext cx="10058400" cy="1610329"/>
+          </a:xfrm>
+        </p:spPr>
         <p:txBody>
           <a:bodyPr>
-            <a:normAutofit fontScale="85000" lnSpcReduction="20000"/>
+            <a:normAutofit fontScale="92500" lnSpcReduction="20000"/>
           </a:bodyPr>
           <a:lstStyle/>
           <a:p>
             <a:r>
               <a:rPr lang="en-AU" dirty="0" smtClean="0"/>
-              <a:t>Henry Hanh</a:t>
+              <a:t>ENGG4802 – Poster and Demonstration</a:t>
+            </a:r>
+          </a:p>
+          <a:p>
+            <a:r>
+              <a:rPr lang="en-AU" dirty="0" smtClean="0"/>
+              <a:t>Henry </a:t>
+            </a:r>
+            <a:r>
+              <a:rPr lang="en-AU" dirty="0" smtClean="0"/>
+              <a:t>Hanh</a:t>
             </a:r>
           </a:p>
           <a:p>
@@ -3948,8 +3963,8 @@
           </a:p>
         </p:txBody>
       </p:sp>
-      <mc:AlternateContent xmlns:mc="http://schemas.openxmlformats.org/markup-compatibility/2006">
-        <mc:Choice xmlns:a14="http://schemas.microsoft.com/office/drawing/2010/main" Requires="a14">
+      <mc:AlternateContent xmlns:mc="http://schemas.openxmlformats.org/markup-compatibility/2006" xmlns:a14="http://schemas.microsoft.com/office/drawing/2010/main">
+        <mc:Choice Requires="a14">
           <p:sp>
             <p:nvSpPr>
               <p:cNvPr id="3" name="Content Placeholder 2"/>
@@ -4417,7 +4432,7 @@
             </p:txBody>
           </p:sp>
         </mc:Choice>
-        <mc:Fallback>
+        <mc:Fallback xmlns="">
           <p:sp>
             <p:nvSpPr>
               <p:cNvPr id="3" name="Content Placeholder 2"/>
@@ -5033,11 +5048,15 @@
           <a:p>
             <a:r>
               <a:rPr lang="en-AU" dirty="0" err="1" smtClean="0"/>
-              <a:t>Undersamplying</a:t>
+              <a:t>Undersampling</a:t>
             </a:r>
             <a:r>
               <a:rPr lang="en-AU" dirty="0" smtClean="0"/>
-              <a:t> Patterns used in results</a:t>
+              <a:t> </a:t>
+            </a:r>
+            <a:r>
+              <a:rPr lang="en-AU" dirty="0" smtClean="0"/>
+              <a:t>Patterns used in results</a:t>
             </a:r>
             <a:endParaRPr lang="en-AU" dirty="0"/>
           </a:p>
@@ -5137,7 +5156,7 @@
         </p:blipFill>
         <p:spPr>
           <a:xfrm>
-            <a:off x="1430236" y="1737360"/>
+            <a:off x="1430236" y="1845734"/>
             <a:ext cx="9092621" cy="3411110"/>
           </a:xfrm>
           <a:prstGeom prst="rect">
@@ -5629,7 +5648,6 @@
               <a:rPr lang="en-AU" dirty="0" smtClean="0"/>
               <a:t>Methodology</a:t>
             </a:r>
-            <a:endParaRPr lang="en-AU" dirty="0" smtClean="0"/>
           </a:p>
           <a:p>
             <a:pPr>
@@ -5759,8 +5777,28 @@
             </a:pPr>
             <a:r>
               <a:rPr lang="en-AU" dirty="0"/>
-              <a:t>Maximization of L1 weightings and minimization TV weighting produce the best reconstructed image. </a:t>
-            </a:r>
+              <a:t>Maximization of L1 weightings and minimization TV </a:t>
+            </a:r>
+            <a:r>
+              <a:rPr lang="en-AU" dirty="0" smtClean="0"/>
+              <a:t>weightings(~0) on edge </a:t>
+            </a:r>
+            <a:r>
+              <a:rPr lang="en-AU" dirty="0"/>
+              <a:t>produce the best reconstructed image. </a:t>
+            </a:r>
+            <a:endParaRPr lang="en-AU" dirty="0" smtClean="0"/>
+          </a:p>
+          <a:p>
+            <a:pPr>
+              <a:buFont typeface="Arial" panose="020B0604020202020204" pitchFamily="34" charset="0"/>
+              <a:buChar char="•"/>
+            </a:pPr>
+            <a:r>
+              <a:rPr lang="en-AU" dirty="0" smtClean="0"/>
+              <a:t>Minimization of TV and L1 on non-edge components produce</a:t>
+            </a:r>
+            <a:endParaRPr lang="en-AU" dirty="0"/>
           </a:p>
           <a:p>
             <a:pPr>
@@ -5938,7 +5976,15 @@
           <a:p>
             <a:r>
               <a:rPr lang="en-AU" sz="8000" dirty="0" smtClean="0"/>
-              <a:t>Long scan times in MRI cause patient discomfort and motion artefacts</a:t>
+              <a:t>Long scan times in MRI </a:t>
+            </a:r>
+            <a:r>
+              <a:rPr lang="en-AU" sz="8000" dirty="0" smtClean="0"/>
+              <a:t>causes </a:t>
+            </a:r>
+            <a:r>
+              <a:rPr lang="en-AU" sz="8000" dirty="0" smtClean="0"/>
+              <a:t>patient discomfort and motion artefacts</a:t>
             </a:r>
           </a:p>
           <a:p>
@@ -5992,11 +6038,7 @@
             </a:r>
             <a:r>
               <a:rPr lang="en-AU" sz="6400" dirty="0" smtClean="0"/>
-              <a:t>                                                                                                                                     </a:t>
-            </a:r>
-            <a:r>
-              <a:rPr lang="en-AU" sz="6400" dirty="0" smtClean="0"/>
-              <a:t>which requires long scan time</a:t>
+              <a:t>                                                                                                                                     which requires long scan time</a:t>
             </a:r>
           </a:p>
           <a:p>
@@ -6078,9 +6120,16 @@
             <p:ph idx="1"/>
           </p:nvPr>
         </p:nvSpPr>
-        <p:spPr/>
-        <p:txBody>
-          <a:bodyPr/>
+        <p:spPr>
+          <a:xfrm>
+            <a:off x="1097280" y="1845734"/>
+            <a:ext cx="10058400" cy="4413398"/>
+          </a:xfrm>
+        </p:spPr>
+        <p:txBody>
+          <a:bodyPr>
+            <a:noAutofit/>
+          </a:bodyPr>
           <a:lstStyle/>
           <a:p>
             <a:pPr>
@@ -6107,12 +6156,145 @@
             </a:r>
             <a:r>
               <a:rPr lang="en-AU" dirty="0" smtClean="0"/>
-              <a:t> to achieve fast imaging (compressed Sensing)</a:t>
-            </a:r>
+              <a:t> to achieve fast imaging </a:t>
+            </a:r>
+            <a:r>
+              <a:rPr lang="en-AU" dirty="0" smtClean="0"/>
+              <a:t>(Compressed </a:t>
+            </a:r>
+            <a:r>
+              <a:rPr lang="en-AU" dirty="0" smtClean="0"/>
+              <a:t>Sensing</a:t>
+            </a:r>
+            <a:r>
+              <a:rPr lang="en-AU" dirty="0" smtClean="0"/>
+              <a:t>)</a:t>
+            </a:r>
+          </a:p>
+          <a:p>
+            <a:pPr>
+              <a:buFont typeface="Arial" panose="020B0604020202020204" pitchFamily="34" charset="0"/>
+              <a:buChar char="•"/>
+            </a:pPr>
             <a:endParaRPr lang="en-AU" dirty="0"/>
           </a:p>
-        </p:txBody>
-      </p:sp>
+          <a:p>
+            <a:pPr>
+              <a:buFont typeface="Arial" panose="020B0604020202020204" pitchFamily="34" charset="0"/>
+              <a:buChar char="•"/>
+            </a:pPr>
+            <a:endParaRPr lang="en-AU" dirty="0" smtClean="0"/>
+          </a:p>
+          <a:p>
+            <a:pPr>
+              <a:buFont typeface="Arial" panose="020B0604020202020204" pitchFamily="34" charset="0"/>
+              <a:buChar char="•"/>
+            </a:pPr>
+            <a:endParaRPr lang="en-AU" dirty="0"/>
+          </a:p>
+          <a:p>
+            <a:pPr>
+              <a:buFont typeface="Arial" panose="020B0604020202020204" pitchFamily="34" charset="0"/>
+              <a:buChar char="•"/>
+            </a:pPr>
+            <a:endParaRPr lang="en-AU" dirty="0" smtClean="0"/>
+          </a:p>
+          <a:p>
+            <a:pPr>
+              <a:buFont typeface="Arial" panose="020B0604020202020204" pitchFamily="34" charset="0"/>
+              <a:buChar char="•"/>
+            </a:pPr>
+            <a:endParaRPr lang="en-AU" dirty="0"/>
+          </a:p>
+          <a:p>
+            <a:pPr>
+              <a:buFont typeface="Arial" panose="020B0604020202020204" pitchFamily="34" charset="0"/>
+              <a:buChar char="•"/>
+            </a:pPr>
+            <a:endParaRPr lang="en-AU" dirty="0" smtClean="0"/>
+          </a:p>
+          <a:p>
+            <a:pPr marL="0" indent="0">
+              <a:buNone/>
+            </a:pPr>
+            <a:endParaRPr lang="en-AU" dirty="0" smtClean="0"/>
+          </a:p>
+          <a:p>
+            <a:pPr marL="0" indent="0">
+              <a:buNone/>
+            </a:pPr>
+            <a:r>
+              <a:rPr lang="en-AU" dirty="0" smtClean="0"/>
+              <a:t>      Rapid Imaging (Fast Spin Echo)                                                                      Parallel Imaging</a:t>
+            </a:r>
+          </a:p>
+        </p:txBody>
+      </p:sp>
+      <p:pic>
+        <p:nvPicPr>
+          <p:cNvPr id="6" name="Picture 5"/>
+          <p:cNvPicPr>
+            <a:picLocks noChangeAspect="1"/>
+          </p:cNvPicPr>
+          <p:nvPr/>
+        </p:nvPicPr>
+        <p:blipFill>
+          <a:blip r:embed="rId2"/>
+          <a:stretch>
+            <a:fillRect/>
+          </a:stretch>
+        </p:blipFill>
+        <p:spPr>
+          <a:xfrm>
+            <a:off x="6764024" y="2864103"/>
+            <a:ext cx="4823971" cy="2958254"/>
+          </a:xfrm>
+          <a:prstGeom prst="rect">
+            <a:avLst/>
+          </a:prstGeom>
+        </p:spPr>
+      </p:pic>
+      <p:pic>
+        <p:nvPicPr>
+          <p:cNvPr id="1026" name="Picture 2" descr="Image result for fast spin echo pulse sequence"/>
+          <p:cNvPicPr>
+            <a:picLocks noChangeAspect="1" noChangeArrowheads="1"/>
+          </p:cNvPicPr>
+          <p:nvPr/>
+        </p:nvPicPr>
+        <p:blipFill>
+          <a:blip r:embed="rId3">
+            <a:extLst>
+              <a:ext uri="{28A0092B-C50C-407E-A947-70E740481C1C}">
+                <a14:useLocalDpi xmlns:a14="http://schemas.microsoft.com/office/drawing/2010/main" val="0"/>
+              </a:ext>
+            </a:extLst>
+          </a:blip>
+          <a:srcRect/>
+          <a:stretch>
+            <a:fillRect/>
+          </a:stretch>
+        </p:blipFill>
+        <p:spPr bwMode="auto">
+          <a:xfrm>
+            <a:off x="664965" y="2877203"/>
+            <a:ext cx="5742949" cy="2878653"/>
+          </a:xfrm>
+          <a:prstGeom prst="rect">
+            <a:avLst/>
+          </a:prstGeom>
+          <a:noFill/>
+          <a:extLst>
+            <a:ext uri="{909E8E84-426E-40DD-AFC4-6F175D3DCCD1}">
+              <a14:hiddenFill xmlns:a14="http://schemas.microsoft.com/office/drawing/2010/main">
+                <a:solidFill>
+                  <a:srgbClr val="FFFFFF"/>
+                </a:solidFill>
+              </a14:hiddenFill>
+            </a:ext>
+          </a:extLst>
+        </p:spPr>
+      </p:pic>
     </p:spTree>
     <p:extLst>
       <p:ext uri="{BB962C8B-B14F-4D97-AF65-F5344CB8AC3E}">
@@ -6390,8 +6572,8 @@
           </a:p>
         </p:txBody>
       </p:sp>
-      <mc:AlternateContent xmlns:mc="http://schemas.openxmlformats.org/markup-compatibility/2006">
-        <mc:Choice xmlns:a14="http://schemas.microsoft.com/office/drawing/2010/main" Requires="a14">
+      <mc:AlternateContent xmlns:mc="http://schemas.openxmlformats.org/markup-compatibility/2006" xmlns:a14="http://schemas.microsoft.com/office/drawing/2010/main">
+        <mc:Choice Requires="a14">
           <p:sp>
             <p:nvSpPr>
               <p:cNvPr id="3" name="Content Placeholder 2"/>
@@ -6732,7 +6914,7 @@
             </p:txBody>
           </p:sp>
         </mc:Choice>
-        <mc:Fallback>
+        <mc:Fallback xmlns="">
           <p:sp>
             <p:nvSpPr>
               <p:cNvPr id="3" name="Content Placeholder 2"/>
